--- a/ToDo.pptx
+++ b/ToDo.pptx
@@ -113,6 +113,11 @@
       </a:defRPr>
     </a:lvl9pPr>
   </p:defaultTextStyle>
+  <p:extLst>
+    <p:ext uri="{EFAFB233-063F-42B5-8137-9DF3F51BA10A}">
+      <p15:sldGuideLst xmlns:p15="http://schemas.microsoft.com/office/powerpoint/2012/main"/>
+    </p:ext>
+  </p:extLst>
 </p:presentation>
 </file>
 
@@ -265,7 +270,7 @@
           <a:p>
             <a:fld id="{3DCB2C99-A676-BA4F-BF5E-0C26C2DB529B}" type="datetimeFigureOut">
               <a:rPr lang="en-IL" smtClean="0"/>
-              <a:t>13/09/2020</a:t>
+              <a:t>14/09/2020</a:t>
             </a:fld>
             <a:endParaRPr lang="en-IL"/>
           </a:p>
@@ -465,7 +470,7 @@
           <a:p>
             <a:fld id="{3DCB2C99-A676-BA4F-BF5E-0C26C2DB529B}" type="datetimeFigureOut">
               <a:rPr lang="en-IL" smtClean="0"/>
-              <a:t>13/09/2020</a:t>
+              <a:t>14/09/2020</a:t>
             </a:fld>
             <a:endParaRPr lang="en-IL"/>
           </a:p>
@@ -675,7 +680,7 @@
           <a:p>
             <a:fld id="{3DCB2C99-A676-BA4F-BF5E-0C26C2DB529B}" type="datetimeFigureOut">
               <a:rPr lang="en-IL" smtClean="0"/>
-              <a:t>13/09/2020</a:t>
+              <a:t>14/09/2020</a:t>
             </a:fld>
             <a:endParaRPr lang="en-IL"/>
           </a:p>
@@ -875,7 +880,7 @@
           <a:p>
             <a:fld id="{3DCB2C99-A676-BA4F-BF5E-0C26C2DB529B}" type="datetimeFigureOut">
               <a:rPr lang="en-IL" smtClean="0"/>
-              <a:t>13/09/2020</a:t>
+              <a:t>14/09/2020</a:t>
             </a:fld>
             <a:endParaRPr lang="en-IL"/>
           </a:p>
@@ -1151,7 +1156,7 @@
           <a:p>
             <a:fld id="{3DCB2C99-A676-BA4F-BF5E-0C26C2DB529B}" type="datetimeFigureOut">
               <a:rPr lang="en-IL" smtClean="0"/>
-              <a:t>13/09/2020</a:t>
+              <a:t>14/09/2020</a:t>
             </a:fld>
             <a:endParaRPr lang="en-IL"/>
           </a:p>
@@ -1419,7 +1424,7 @@
           <a:p>
             <a:fld id="{3DCB2C99-A676-BA4F-BF5E-0C26C2DB529B}" type="datetimeFigureOut">
               <a:rPr lang="en-IL" smtClean="0"/>
-              <a:t>13/09/2020</a:t>
+              <a:t>14/09/2020</a:t>
             </a:fld>
             <a:endParaRPr lang="en-IL"/>
           </a:p>
@@ -1834,7 +1839,7 @@
           <a:p>
             <a:fld id="{3DCB2C99-A676-BA4F-BF5E-0C26C2DB529B}" type="datetimeFigureOut">
               <a:rPr lang="en-IL" smtClean="0"/>
-              <a:t>13/09/2020</a:t>
+              <a:t>14/09/2020</a:t>
             </a:fld>
             <a:endParaRPr lang="en-IL"/>
           </a:p>
@@ -1976,7 +1981,7 @@
           <a:p>
             <a:fld id="{3DCB2C99-A676-BA4F-BF5E-0C26C2DB529B}" type="datetimeFigureOut">
               <a:rPr lang="en-IL" smtClean="0"/>
-              <a:t>13/09/2020</a:t>
+              <a:t>14/09/2020</a:t>
             </a:fld>
             <a:endParaRPr lang="en-IL"/>
           </a:p>
@@ -2089,7 +2094,7 @@
           <a:p>
             <a:fld id="{3DCB2C99-A676-BA4F-BF5E-0C26C2DB529B}" type="datetimeFigureOut">
               <a:rPr lang="en-IL" smtClean="0"/>
-              <a:t>13/09/2020</a:t>
+              <a:t>14/09/2020</a:t>
             </a:fld>
             <a:endParaRPr lang="en-IL"/>
           </a:p>
@@ -2402,7 +2407,7 @@
           <a:p>
             <a:fld id="{3DCB2C99-A676-BA4F-BF5E-0C26C2DB529B}" type="datetimeFigureOut">
               <a:rPr lang="en-IL" smtClean="0"/>
-              <a:t>13/09/2020</a:t>
+              <a:t>14/09/2020</a:t>
             </a:fld>
             <a:endParaRPr lang="en-IL"/>
           </a:p>
@@ -2691,7 +2696,7 @@
           <a:p>
             <a:fld id="{3DCB2C99-A676-BA4F-BF5E-0C26C2DB529B}" type="datetimeFigureOut">
               <a:rPr lang="en-IL" smtClean="0"/>
-              <a:t>13/09/2020</a:t>
+              <a:t>14/09/2020</a:t>
             </a:fld>
             <a:endParaRPr lang="en-IL"/>
           </a:p>
@@ -2934,7 +2939,7 @@
           <a:p>
             <a:fld id="{3DCB2C99-A676-BA4F-BF5E-0C26C2DB529B}" type="datetimeFigureOut">
               <a:rPr lang="en-IL" smtClean="0"/>
-              <a:t>13/09/2020</a:t>
+              <a:t>14/09/2020</a:t>
             </a:fld>
             <a:endParaRPr lang="en-IL"/>
           </a:p>
@@ -3337,6 +3342,14 @@
 <file path=ppt/slides/slide1.xml><?xml version="1.0" encoding="utf-8"?>
 <p:sld xmlns:a="http://schemas.openxmlformats.org/drawingml/2006/main" xmlns:r="http://schemas.openxmlformats.org/officeDocument/2006/relationships" xmlns:p="http://schemas.openxmlformats.org/presentationml/2006/main">
   <p:cSld>
+    <p:bg>
+      <p:bgPr>
+        <a:solidFill>
+          <a:schemeClr val="bg1"/>
+        </a:solidFill>
+        <a:effectLst/>
+      </p:bgPr>
+    </p:bg>
     <p:spTree>
       <p:nvGrpSpPr>
         <p:cNvPr id="1" name=""/>
@@ -3353,6 +3366,100 @@
       </p:grpSpPr>
       <p:sp>
         <p:nvSpPr>
+          <p:cNvPr id="28" name="Rectangle 19">
+            <a:extLst>
+              <a:ext uri="{FF2B5EF4-FFF2-40B4-BE49-F238E27FC236}">
+                <a16:creationId xmlns:a16="http://schemas.microsoft.com/office/drawing/2014/main" id="{E20EB187-900F-4AF5-813B-101456D9FD39}"/>
+              </a:ext>
+              <a:ext uri="{C183D7F6-B498-43B3-948B-1728B52AA6E4}">
+                <adec:decorative xmlns:adec="http://schemas.microsoft.com/office/drawing/2017/decorative" val="1"/>
+              </a:ext>
+            </a:extLst>
+          </p:cNvPr>
+          <p:cNvSpPr>
+            <a:spLocks noGrp="1" noRot="1" noChangeAspect="1" noMove="1" noResize="1" noEditPoints="1" noAdjustHandles="1" noChangeArrowheads="1" noChangeShapeType="1" noTextEdit="1"/>
+          </p:cNvSpPr>
+          <p:nvPr>
+            <p:extLst>
+              <p:ext uri="{386F3935-93C4-4BCD-93E2-E3B085C9AB24}">
+                <p16:designElem xmlns:p16="http://schemas.microsoft.com/office/powerpoint/2015/main" val="1"/>
+              </p:ext>
+            </p:extLst>
+          </p:nvPr>
+        </p:nvSpPr>
+        <p:spPr>
+          <a:xfrm>
+            <a:off x="0" y="0"/>
+            <a:ext cx="12192000" cy="6858000"/>
+          </a:xfrm>
+          <a:prstGeom prst="rect">
+            <a:avLst/>
+          </a:prstGeom>
+          <a:solidFill>
+            <a:srgbClr val="000000"/>
+          </a:solidFill>
+          <a:ln>
+            <a:noFill/>
+          </a:ln>
+        </p:spPr>
+        <p:style>
+          <a:lnRef idx="2">
+            <a:schemeClr val="accent1">
+              <a:shade val="50000"/>
+            </a:schemeClr>
+          </a:lnRef>
+          <a:fillRef idx="1">
+            <a:schemeClr val="accent1"/>
+          </a:fillRef>
+          <a:effectRef idx="0">
+            <a:schemeClr val="accent1"/>
+          </a:effectRef>
+          <a:fontRef idx="minor">
+            <a:schemeClr val="lt1"/>
+          </a:fontRef>
+        </p:style>
+        <p:txBody>
+          <a:bodyPr rtlCol="0" anchor="ctr"/>
+          <a:lstStyle/>
+          <a:p>
+            <a:pPr algn="ctr"/>
+            <a:endParaRPr lang="en-US"/>
+          </a:p>
+        </p:txBody>
+      </p:sp>
+      <p:pic>
+        <p:nvPicPr>
+          <p:cNvPr id="6" name="Picture 5" descr="A lit up city at night&#10;&#10;Description automatically generated">
+            <a:extLst>
+              <a:ext uri="{FF2B5EF4-FFF2-40B4-BE49-F238E27FC236}">
+                <a16:creationId xmlns:a16="http://schemas.microsoft.com/office/drawing/2014/main" id="{71086CB6-5402-6043-B54A-09DC3094836B}"/>
+              </a:ext>
+            </a:extLst>
+          </p:cNvPr>
+          <p:cNvPicPr>
+            <a:picLocks noChangeAspect="1"/>
+          </p:cNvPicPr>
+          <p:nvPr/>
+        </p:nvPicPr>
+        <p:blipFill rotWithShape="1">
+          <a:blip r:embed="rId2">
+            <a:alphaModFix amt="50000"/>
+          </a:blip>
+          <a:srcRect b="15730"/>
+          <a:stretch/>
+        </p:blipFill>
+        <p:spPr>
+          <a:xfrm>
+            <a:off x="20" y="1"/>
+            <a:ext cx="12191980" cy="6857999"/>
+          </a:xfrm>
+          <a:prstGeom prst="rect">
+            <a:avLst/>
+          </a:prstGeom>
+        </p:spPr>
+      </p:pic>
+      <p:sp>
+        <p:nvSpPr>
           <p:cNvPr id="2" name="Title 1">
             <a:extLst>
               <a:ext uri="{FF2B5EF4-FFF2-40B4-BE49-F238E27FC236}">
@@ -3367,25 +3474,37 @@
             <p:ph type="ctrTitle"/>
           </p:nvPr>
         </p:nvSpPr>
-        <p:spPr/>
-        <p:txBody>
-          <a:bodyPr/>
+        <p:spPr>
+          <a:xfrm>
+            <a:off x="4387349" y="1200152"/>
+            <a:ext cx="6897171" cy="4457696"/>
+          </a:xfrm>
+        </p:spPr>
+        <p:txBody>
+          <a:bodyPr anchor="ctr">
+            <a:normAutofit/>
+          </a:bodyPr>
           <a:lstStyle/>
           <a:p>
-            <a:pPr algn="ctr" defTabSz="914400" rtl="1" eaLnBrk="1" latinLnBrk="0" hangingPunct="1">
-              <a:lnSpc>
-                <a:spcPct val="90000"/>
-              </a:lnSpc>
+            <a:pPr algn="l" defTabSz="914400" rtl="1" eaLnBrk="1" latinLnBrk="0" hangingPunct="1">
               <a:spcBef>
                 <a:spcPct val="0"/>
               </a:spcBef>
               <a:buNone/>
             </a:pPr>
             <a:r>
-              <a:rPr lang="he-IL" dirty="0"/>
+              <a:rPr lang="he-IL" sz="8000" dirty="0">
+                <a:solidFill>
+                  <a:srgbClr val="FFFFFF"/>
+                </a:solidFill>
+              </a:rPr>
               <a:t>תרגיל בית 1 + 2</a:t>
             </a:r>
-            <a:endParaRPr lang="en-IL" dirty="0"/>
+            <a:endParaRPr lang="en-IL" sz="8000" dirty="0">
+              <a:solidFill>
+                <a:srgbClr val="FFFFFF"/>
+              </a:solidFill>
+            </a:endParaRPr>
           </a:p>
         </p:txBody>
       </p:sp>
@@ -3405,15 +3524,19 @@
             <p:ph type="subTitle" idx="1"/>
           </p:nvPr>
         </p:nvSpPr>
-        <p:spPr/>
-        <p:txBody>
-          <a:bodyPr/>
+        <p:spPr>
+          <a:xfrm>
+            <a:off x="849963" y="1200152"/>
+            <a:ext cx="2816535" cy="4457696"/>
+          </a:xfrm>
+        </p:spPr>
+        <p:txBody>
+          <a:bodyPr anchor="ctr">
+            <a:normAutofit/>
+          </a:bodyPr>
           <a:lstStyle/>
           <a:p>
-            <a:pPr marL="0" indent="0" algn="ctr" defTabSz="914400" rtl="1" eaLnBrk="1" latinLnBrk="0" hangingPunct="1">
-              <a:lnSpc>
-                <a:spcPct val="90000"/>
-              </a:lnSpc>
+            <a:pPr marL="0" indent="0" algn="r" defTabSz="914400" rtl="1" eaLnBrk="1" latinLnBrk="0" hangingPunct="1">
               <a:spcBef>
                 <a:spcPts val="1000"/>
               </a:spcBef>
@@ -3421,13 +3544,79 @@
               <a:buNone/>
             </a:pPr>
             <a:r>
-              <a:rPr lang="he-IL" dirty="0"/>
-              <a:t>מגיש אביב וכמן (להלן השאלות למען הנוחות)</a:t>
-            </a:r>
-            <a:endParaRPr lang="en-IL" dirty="0"/>
-          </a:p>
-        </p:txBody>
-      </p:sp>
+              <a:rPr lang="he-IL" sz="2800" dirty="0">
+                <a:solidFill>
+                  <a:srgbClr val="FFFFFF"/>
+                </a:solidFill>
+                <a:latin typeface="Tahoma" panose="020B0604030504040204" pitchFamily="34" charset="0"/>
+                <a:ea typeface="Tahoma" panose="020B0604030504040204" pitchFamily="34" charset="0"/>
+                <a:cs typeface="Tahoma" panose="020B0604030504040204" pitchFamily="34" charset="0"/>
+              </a:rPr>
+              <a:t>מגיש אביב וכמן</a:t>
+            </a:r>
+            <a:endParaRPr lang="en-IL" sz="2800" dirty="0">
+              <a:solidFill>
+                <a:srgbClr val="FFFFFF"/>
+              </a:solidFill>
+              <a:latin typeface="Tahoma" panose="020B0604030504040204" pitchFamily="34" charset="0"/>
+              <a:ea typeface="Tahoma" panose="020B0604030504040204" pitchFamily="34" charset="0"/>
+              <a:cs typeface="Tahoma" panose="020B0604030504040204" pitchFamily="34" charset="0"/>
+            </a:endParaRPr>
+          </a:p>
+        </p:txBody>
+      </p:sp>
+      <p:cxnSp>
+        <p:nvCxnSpPr>
+          <p:cNvPr id="29" name="Straight Connector 21">
+            <a:extLst>
+              <a:ext uri="{FF2B5EF4-FFF2-40B4-BE49-F238E27FC236}">
+                <a16:creationId xmlns:a16="http://schemas.microsoft.com/office/drawing/2014/main" id="{624D17C8-E9C2-48A4-AA36-D7048A6CCC41}"/>
+              </a:ext>
+              <a:ext uri="{C183D7F6-B498-43B3-948B-1728B52AA6E4}">
+                <adec:decorative xmlns:adec="http://schemas.microsoft.com/office/drawing/2017/decorative" val="1"/>
+              </a:ext>
+            </a:extLst>
+          </p:cNvPr>
+          <p:cNvCxnSpPr>
+            <a:cxnSpLocks noGrp="1" noRot="1" noChangeAspect="1" noMove="1" noResize="1" noEditPoints="1" noAdjustHandles="1" noChangeArrowheads="1" noChangeShapeType="1"/>
+          </p:cNvCxnSpPr>
+          <p:nvPr>
+            <p:extLst>
+              <p:ext uri="{386F3935-93C4-4BCD-93E2-E3B085C9AB24}">
+                <p16:designElem xmlns:p16="http://schemas.microsoft.com/office/powerpoint/2015/main" val="1"/>
+              </p:ext>
+            </p:extLst>
+          </p:nvPr>
+        </p:nvCxnSpPr>
+        <p:spPr>
+          <a:xfrm>
+            <a:off x="4055891" y="2286000"/>
+            <a:ext cx="0" cy="2286000"/>
+          </a:xfrm>
+          <a:prstGeom prst="line">
+            <a:avLst/>
+          </a:prstGeom>
+          <a:ln w="19050">
+            <a:solidFill>
+              <a:srgbClr val="FFFFFF"/>
+            </a:solidFill>
+          </a:ln>
+        </p:spPr>
+        <p:style>
+          <a:lnRef idx="1">
+            <a:schemeClr val="accent1"/>
+          </a:lnRef>
+          <a:fillRef idx="0">
+            <a:schemeClr val="accent1"/>
+          </a:fillRef>
+          <a:effectRef idx="0">
+            <a:schemeClr val="accent1"/>
+          </a:effectRef>
+          <a:fontRef idx="minor">
+            <a:schemeClr val="tx1"/>
+          </a:fontRef>
+        </p:style>
+      </p:cxnSp>
     </p:spTree>
     <p:extLst>
       <p:ext uri="{BB962C8B-B14F-4D97-AF65-F5344CB8AC3E}">
@@ -3436,7 +3625,7 @@
     </p:extLst>
   </p:cSld>
   <p:clrMapOvr>
-    <a:masterClrMapping/>
+    <a:overrideClrMapping bg1="dk1" tx1="lt1" bg2="dk2" tx2="lt2" accent1="accent1" accent2="accent2" accent3="accent3" accent4="accent4" accent5="accent5" accent6="accent6" hlink="hlink" folHlink="folHlink"/>
   </p:clrMapOvr>
 </p:sld>
 </file>
@@ -3969,10 +4158,16 @@
               <a:buNone/>
             </a:pPr>
             <a:r>
-              <a:rPr lang="he-IL" dirty="0"/>
+              <a:rPr lang="he-IL" dirty="0">
+                <a:latin typeface="Aharoni" panose="02010803020104030203" pitchFamily="2" charset="-79"/>
+                <a:ea typeface="Tahoma" panose="020B0604030504040204" pitchFamily="34" charset="0"/>
+              </a:rPr>
               <a:t>הוראות</a:t>
             </a:r>
-            <a:endParaRPr lang="en-IL" dirty="0"/>
+            <a:endParaRPr lang="en-IL" dirty="0">
+              <a:latin typeface="Aharoni" panose="02010803020104030203" pitchFamily="2" charset="-79"/>
+              <a:ea typeface="Tahoma" panose="020B0604030504040204" pitchFamily="34" charset="0"/>
+            </a:endParaRPr>
           </a:p>
         </p:txBody>
       </p:sp>
@@ -4001,11 +4196,19 @@
               <a:buNone/>
             </a:pPr>
             <a:r>
-              <a:rPr lang="he-IL" b="1" dirty="0"/>
+              <a:rPr lang="he-IL" b="1" dirty="0">
+                <a:latin typeface="Tahoma" panose="020B0604030504040204" pitchFamily="34" charset="0"/>
+                <a:ea typeface="Tahoma" panose="020B0604030504040204" pitchFamily="34" charset="0"/>
+                <a:cs typeface="Tahoma" panose="020B0604030504040204" pitchFamily="34" charset="0"/>
+              </a:rPr>
               <a:t>תרגילי בית</a:t>
             </a:r>
             <a:r>
-              <a:rPr lang="en-CA" b="1" dirty="0"/>
+              <a:rPr lang="en-CA" b="1" dirty="0">
+                <a:latin typeface="Tahoma" panose="020B0604030504040204" pitchFamily="34" charset="0"/>
+                <a:ea typeface="Tahoma" panose="020B0604030504040204" pitchFamily="34" charset="0"/>
+                <a:cs typeface="Tahoma" panose="020B0604030504040204" pitchFamily="34" charset="0"/>
+              </a:rPr>
               <a:t>:</a:t>
             </a:r>
           </a:p>
@@ -4013,14 +4216,22 @@
             <a:pPr marL="0" indent="0" algn="r" rtl="1">
               <a:buNone/>
             </a:pPr>
-            <a:endParaRPr lang="en-CA" dirty="0"/>
+            <a:endParaRPr lang="en-CA" dirty="0">
+              <a:latin typeface="Tahoma" panose="020B0604030504040204" pitchFamily="34" charset="0"/>
+              <a:ea typeface="Tahoma" panose="020B0604030504040204" pitchFamily="34" charset="0"/>
+              <a:cs typeface="Tahoma" panose="020B0604030504040204" pitchFamily="34" charset="0"/>
+            </a:endParaRPr>
           </a:p>
           <a:p>
             <a:pPr marL="0" indent="0" algn="r">
               <a:buNone/>
             </a:pPr>
             <a:r>
-              <a:rPr lang="he-IL" dirty="0"/>
+              <a:rPr lang="he-IL" dirty="0">
+                <a:latin typeface="Tahoma" panose="020B0604030504040204" pitchFamily="34" charset="0"/>
+                <a:ea typeface="Tahoma" panose="020B0604030504040204" pitchFamily="34" charset="0"/>
+                <a:cs typeface="Tahoma" panose="020B0604030504040204" pitchFamily="34" charset="0"/>
+              </a:rPr>
               <a:t>1. שקף 74 במצגת המצורפת ש11 (ערוץ טלוויזיה). היעזרו בשקף 77 - הגדרת המחלקה.</a:t>
             </a:r>
           </a:p>
@@ -4028,17 +4239,29 @@
             <a:pPr marL="0" indent="0" algn="r">
               <a:buNone/>
             </a:pPr>
-            <a:endParaRPr lang="en-CA" dirty="0"/>
+            <a:endParaRPr lang="en-CA" dirty="0">
+              <a:latin typeface="Tahoma" panose="020B0604030504040204" pitchFamily="34" charset="0"/>
+              <a:ea typeface="Tahoma" panose="020B0604030504040204" pitchFamily="34" charset="0"/>
+              <a:cs typeface="Tahoma" panose="020B0604030504040204" pitchFamily="34" charset="0"/>
+            </a:endParaRPr>
           </a:p>
           <a:p>
             <a:pPr marL="0" indent="0" algn="r">
               <a:buNone/>
             </a:pPr>
             <a:r>
-              <a:rPr lang="he-IL" dirty="0"/>
+              <a:rPr lang="he-IL" dirty="0">
+                <a:latin typeface="Tahoma" panose="020B0604030504040204" pitchFamily="34" charset="0"/>
+                <a:ea typeface="Tahoma" panose="020B0604030504040204" pitchFamily="34" charset="0"/>
+                <a:cs typeface="Tahoma" panose="020B0604030504040204" pitchFamily="34" charset="0"/>
+              </a:rPr>
               <a:t> 2. שקף 51 במצגת ש12 מערך עצמים ומערך כתכונה (משחרי ספורט 2017) סעיף ב. (3) לפי 2 הפתרונות שראינו בשקף 53. מועד הגשה : 21.9 בערב  בהצלחה.</a:t>
             </a:r>
-            <a:endParaRPr lang="en-IL" dirty="0"/>
+            <a:endParaRPr lang="en-IL" dirty="0">
+              <a:latin typeface="Tahoma" panose="020B0604030504040204" pitchFamily="34" charset="0"/>
+              <a:ea typeface="Tahoma" panose="020B0604030504040204" pitchFamily="34" charset="0"/>
+              <a:cs typeface="Tahoma" panose="020B0604030504040204" pitchFamily="34" charset="0"/>
+            </a:endParaRPr>
           </a:p>
         </p:txBody>
       </p:sp>
@@ -4103,7 +4326,7 @@
               <a:buNone/>
             </a:pPr>
             <a:r>
-              <a:rPr lang="he-IL" dirty="0"/>
+              <a:rPr lang="he-IL"/>
               <a:t>תרגיל 1</a:t>
             </a:r>
             <a:endParaRPr lang="en-IL" dirty="0"/>
@@ -4192,10 +4415,17 @@
                     <a:lumMod val="75000"/>
                   </a:schemeClr>
                 </a:solidFill>
+                <a:latin typeface="Tahoma" panose="020B0604030504040204" pitchFamily="34" charset="0"/>
+                <a:ea typeface="Tahoma" panose="020B0604030504040204" pitchFamily="34" charset="0"/>
+                <a:cs typeface="Tahoma" panose="020B0604030504040204" pitchFamily="34" charset="0"/>
               </a:rPr>
               <a:t>Channel</a:t>
             </a:r>
-            <a:endParaRPr lang="he-IL" dirty="0"/>
+            <a:endParaRPr lang="he-IL" dirty="0">
+              <a:latin typeface="Tahoma" panose="020B0604030504040204" pitchFamily="34" charset="0"/>
+              <a:ea typeface="Tahoma" panose="020B0604030504040204" pitchFamily="34" charset="0"/>
+              <a:cs typeface="Tahoma" panose="020B0604030504040204" pitchFamily="34" charset="0"/>
+            </a:endParaRPr>
           </a:p>
         </p:txBody>
       </p:sp>
@@ -4573,10 +4803,17 @@
                     <a:lumMod val="75000"/>
                   </a:schemeClr>
                 </a:solidFill>
+                <a:latin typeface="Tahoma" panose="020B0604030504040204" pitchFamily="34" charset="0"/>
+                <a:ea typeface="Tahoma" panose="020B0604030504040204" pitchFamily="34" charset="0"/>
+                <a:cs typeface="Tahoma" panose="020B0604030504040204" pitchFamily="34" charset="0"/>
               </a:rPr>
               <a:t>Channel</a:t>
             </a:r>
-            <a:endParaRPr lang="aa-ET" dirty="0"/>
+            <a:endParaRPr lang="aa-ET" dirty="0">
+              <a:latin typeface="Tahoma" panose="020B0604030504040204" pitchFamily="34" charset="0"/>
+              <a:ea typeface="Tahoma" panose="020B0604030504040204" pitchFamily="34" charset="0"/>
+              <a:cs typeface="Tahoma" panose="020B0604030504040204" pitchFamily="34" charset="0"/>
+            </a:endParaRPr>
           </a:p>
         </p:txBody>
       </p:sp>

--- a/ToDo.pptx
+++ b/ToDo.pptx
@@ -270,7 +270,7 @@
           <a:p>
             <a:fld id="{3DCB2C99-A676-BA4F-BF5E-0C26C2DB529B}" type="datetimeFigureOut">
               <a:rPr lang="en-IL" smtClean="0"/>
-              <a:t>14/09/2020</a:t>
+              <a:t>18/09/2020</a:t>
             </a:fld>
             <a:endParaRPr lang="en-IL"/>
           </a:p>
@@ -470,7 +470,7 @@
           <a:p>
             <a:fld id="{3DCB2C99-A676-BA4F-BF5E-0C26C2DB529B}" type="datetimeFigureOut">
               <a:rPr lang="en-IL" smtClean="0"/>
-              <a:t>14/09/2020</a:t>
+              <a:t>18/09/2020</a:t>
             </a:fld>
             <a:endParaRPr lang="en-IL"/>
           </a:p>
@@ -680,7 +680,7 @@
           <a:p>
             <a:fld id="{3DCB2C99-A676-BA4F-BF5E-0C26C2DB529B}" type="datetimeFigureOut">
               <a:rPr lang="en-IL" smtClean="0"/>
-              <a:t>14/09/2020</a:t>
+              <a:t>18/09/2020</a:t>
             </a:fld>
             <a:endParaRPr lang="en-IL"/>
           </a:p>
@@ -880,7 +880,7 @@
           <a:p>
             <a:fld id="{3DCB2C99-A676-BA4F-BF5E-0C26C2DB529B}" type="datetimeFigureOut">
               <a:rPr lang="en-IL" smtClean="0"/>
-              <a:t>14/09/2020</a:t>
+              <a:t>18/09/2020</a:t>
             </a:fld>
             <a:endParaRPr lang="en-IL"/>
           </a:p>
@@ -1156,7 +1156,7 @@
           <a:p>
             <a:fld id="{3DCB2C99-A676-BA4F-BF5E-0C26C2DB529B}" type="datetimeFigureOut">
               <a:rPr lang="en-IL" smtClean="0"/>
-              <a:t>14/09/2020</a:t>
+              <a:t>18/09/2020</a:t>
             </a:fld>
             <a:endParaRPr lang="en-IL"/>
           </a:p>
@@ -1424,7 +1424,7 @@
           <a:p>
             <a:fld id="{3DCB2C99-A676-BA4F-BF5E-0C26C2DB529B}" type="datetimeFigureOut">
               <a:rPr lang="en-IL" smtClean="0"/>
-              <a:t>14/09/2020</a:t>
+              <a:t>18/09/2020</a:t>
             </a:fld>
             <a:endParaRPr lang="en-IL"/>
           </a:p>
@@ -1839,7 +1839,7 @@
           <a:p>
             <a:fld id="{3DCB2C99-A676-BA4F-BF5E-0C26C2DB529B}" type="datetimeFigureOut">
               <a:rPr lang="en-IL" smtClean="0"/>
-              <a:t>14/09/2020</a:t>
+              <a:t>18/09/2020</a:t>
             </a:fld>
             <a:endParaRPr lang="en-IL"/>
           </a:p>
@@ -1981,7 +1981,7 @@
           <a:p>
             <a:fld id="{3DCB2C99-A676-BA4F-BF5E-0C26C2DB529B}" type="datetimeFigureOut">
               <a:rPr lang="en-IL" smtClean="0"/>
-              <a:t>14/09/2020</a:t>
+              <a:t>18/09/2020</a:t>
             </a:fld>
             <a:endParaRPr lang="en-IL"/>
           </a:p>
@@ -2094,7 +2094,7 @@
           <a:p>
             <a:fld id="{3DCB2C99-A676-BA4F-BF5E-0C26C2DB529B}" type="datetimeFigureOut">
               <a:rPr lang="en-IL" smtClean="0"/>
-              <a:t>14/09/2020</a:t>
+              <a:t>18/09/2020</a:t>
             </a:fld>
             <a:endParaRPr lang="en-IL"/>
           </a:p>
@@ -2407,7 +2407,7 @@
           <a:p>
             <a:fld id="{3DCB2C99-A676-BA4F-BF5E-0C26C2DB529B}" type="datetimeFigureOut">
               <a:rPr lang="en-IL" smtClean="0"/>
-              <a:t>14/09/2020</a:t>
+              <a:t>18/09/2020</a:t>
             </a:fld>
             <a:endParaRPr lang="en-IL"/>
           </a:p>
@@ -2696,7 +2696,7 @@
           <a:p>
             <a:fld id="{3DCB2C99-A676-BA4F-BF5E-0C26C2DB529B}" type="datetimeFigureOut">
               <a:rPr lang="en-IL" smtClean="0"/>
-              <a:t>14/09/2020</a:t>
+              <a:t>18/09/2020</a:t>
             </a:fld>
             <a:endParaRPr lang="en-IL"/>
           </a:p>
@@ -2939,7 +2939,7 @@
           <a:p>
             <a:fld id="{3DCB2C99-A676-BA4F-BF5E-0C26C2DB529B}" type="datetimeFigureOut">
               <a:rPr lang="en-IL" smtClean="0"/>
-              <a:t>14/09/2020</a:t>
+              <a:t>18/09/2020</a:t>
             </a:fld>
             <a:endParaRPr lang="en-IL"/>
           </a:p>
@@ -4326,8 +4326,49 @@
               <a:buNone/>
             </a:pPr>
             <a:r>
-              <a:rPr lang="he-IL"/>
+              <a:rPr lang="he-IL" dirty="0"/>
               <a:t>תרגיל 1</a:t>
+            </a:r>
+            <a:r>
+              <a:rPr lang="en-CA" dirty="0"/>
+              <a:t>:</a:t>
+            </a:r>
+            <a:endParaRPr lang="en-IL" dirty="0"/>
+          </a:p>
+        </p:txBody>
+      </p:sp>
+      <p:sp>
+        <p:nvSpPr>
+          <p:cNvPr id="3" name="TextBox 2">
+            <a:extLst>
+              <a:ext uri="{FF2B5EF4-FFF2-40B4-BE49-F238E27FC236}">
+                <a16:creationId xmlns:a16="http://schemas.microsoft.com/office/drawing/2014/main" id="{44893A8A-CB3E-6C47-B751-D9DE743FD12E}"/>
+              </a:ext>
+            </a:extLst>
+          </p:cNvPr>
+          <p:cNvSpPr txBox="1"/>
+          <p:nvPr/>
+        </p:nvSpPr>
+        <p:spPr>
+          <a:xfrm>
+            <a:off x="5472545" y="3059668"/>
+            <a:ext cx="1246909" cy="369332"/>
+          </a:xfrm>
+          <a:prstGeom prst="rect">
+            <a:avLst/>
+          </a:prstGeom>
+          <a:noFill/>
+        </p:spPr>
+        <p:txBody>
+          <a:bodyPr wrap="square" rtlCol="0">
+            <a:spAutoFit/>
+          </a:bodyPr>
+          <a:lstStyle/>
+          <a:p>
+            <a:pPr marL="0" algn="r" defTabSz="914400" rtl="1" eaLnBrk="1" latinLnBrk="0" hangingPunct="1"/>
+            <a:r>
+              <a:rPr lang="he-IL" dirty="0"/>
+              <a:t>(עמוד הבא)</a:t>
             </a:r>
             <a:endParaRPr lang="en-IL" dirty="0"/>
           </a:p>
@@ -5217,35 +5258,36 @@
       </p:sp>
       <p:sp>
         <p:nvSpPr>
-          <p:cNvPr id="3" name="Content Placeholder 2">
-            <a:extLst>
-              <a:ext uri="{FF2B5EF4-FFF2-40B4-BE49-F238E27FC236}">
-                <a16:creationId xmlns:a16="http://schemas.microsoft.com/office/drawing/2014/main" id="{450BF11D-E6B7-7142-9F0B-D319C1E5830D}"/>
-              </a:ext>
-            </a:extLst>
-          </p:cNvPr>
-          <p:cNvSpPr>
-            <a:spLocks noGrp="1"/>
-          </p:cNvSpPr>
-          <p:nvPr>
-            <p:ph idx="1"/>
-          </p:nvPr>
-        </p:nvSpPr>
-        <p:spPr/>
-        <p:txBody>
-          <a:bodyPr/>
+          <p:cNvPr id="4" name="Rectangle 3">
+            <a:extLst>
+              <a:ext uri="{FF2B5EF4-FFF2-40B4-BE49-F238E27FC236}">
+                <a16:creationId xmlns:a16="http://schemas.microsoft.com/office/drawing/2014/main" id="{B0B20139-5FFF-4544-95E2-0E337B82D266}"/>
+              </a:ext>
+            </a:extLst>
+          </p:cNvPr>
+          <p:cNvSpPr/>
+          <p:nvPr/>
+        </p:nvSpPr>
+        <p:spPr>
+          <a:xfrm>
+            <a:off x="5479485" y="3244334"/>
+            <a:ext cx="1233030" cy="369332"/>
+          </a:xfrm>
+          <a:prstGeom prst="rect">
+            <a:avLst/>
+          </a:prstGeom>
+        </p:spPr>
+        <p:txBody>
+          <a:bodyPr wrap="none">
+            <a:spAutoFit/>
+          </a:bodyPr>
           <a:lstStyle/>
           <a:p>
-            <a:pPr marL="228600" indent="-228600" algn="r" defTabSz="914400" rtl="1" eaLnBrk="1" latinLnBrk="0" hangingPunct="1">
-              <a:lnSpc>
-                <a:spcPct val="90000"/>
-              </a:lnSpc>
-              <a:spcBef>
-                <a:spcPts val="1000"/>
-              </a:spcBef>
-              <a:buFont typeface="Arial" panose="020B0604020202020204" pitchFamily="34" charset="0"/>
-              <a:buChar char="•"/>
-            </a:pPr>
+            <a:pPr algn="r" rtl="1"/>
+            <a:r>
+              <a:rPr lang="he-IL" dirty="0"/>
+              <a:t>(עמוד הבא)</a:t>
+            </a:r>
             <a:endParaRPr lang="en-IL" dirty="0"/>
           </a:p>
         </p:txBody>
